--- a/shoot i smoke.pptx
+++ b/shoot i smoke.pptx
@@ -7,8 +7,8 @@
   <p:sldIdLst>
     <p:sldId id="256" r:id="rId2"/>
     <p:sldId id="259" r:id="rId3"/>
-    <p:sldId id="257" r:id="rId4"/>
-    <p:sldId id="260" r:id="rId5"/>
+    <p:sldId id="260" r:id="rId4"/>
+    <p:sldId id="257" r:id="rId5"/>
     <p:sldId id="258" r:id="rId6"/>
   </p:sldIdLst>
   <p:sldSz cx="12192000" cy="6858000"/>
@@ -6926,59 +6926,118 @@
             <p:ph idx="1"/>
           </p:nvPr>
         </p:nvSpPr>
-        <p:spPr/>
+        <p:spPr>
+          <a:xfrm>
+            <a:off x="1251678" y="2059664"/>
+            <a:ext cx="10178322" cy="4449778"/>
+          </a:xfrm>
+        </p:spPr>
         <p:txBody>
-          <a:bodyPr/>
+          <a:bodyPr>
+            <a:normAutofit fontScale="92500" lnSpcReduction="20000"/>
+          </a:bodyPr>
           <a:lstStyle/>
           <a:p>
             <a:r>
-              <a:rPr lang="en-US" dirty="0"/>
+              <a:rPr lang="en-US" sz="2800" dirty="0"/>
               <a:t>So we decided to make this conversion </a:t>
             </a:r>
             <a:r>
-              <a:rPr lang="en-US" dirty="0" smtClean="0"/>
+              <a:rPr lang="en-US" sz="2800" dirty="0" smtClean="0"/>
               <a:t>not only to </a:t>
             </a:r>
             <a:r>
-              <a:rPr lang="en-US" dirty="0"/>
+              <a:rPr lang="en-US" sz="2800" dirty="0"/>
               <a:t>cigarettes: it makes it easier to understand what people are dealing with, and the consequences air quality has in their daily lives</a:t>
             </a:r>
             <a:r>
-              <a:rPr lang="en-US" dirty="0" smtClean="0"/>
+              <a:rPr lang="en-US" sz="2800" dirty="0" smtClean="0"/>
               <a:t>.</a:t>
             </a:r>
           </a:p>
           <a:p>
             <a:r>
-              <a:rPr lang="en-US" dirty="0" err="1" smtClean="0"/>
+              <a:rPr lang="en-US" sz="2800" dirty="0" err="1" smtClean="0"/>
               <a:t>Eg</a:t>
             </a:r>
             <a:r>
-              <a:rPr lang="en-US" dirty="0" smtClean="0"/>
+              <a:rPr lang="en-US" sz="2800" dirty="0" smtClean="0"/>
               <a:t>:  </a:t>
             </a:r>
           </a:p>
           <a:p>
             <a:pPr lvl="1"/>
             <a:r>
-              <a:rPr lang="en-US" dirty="0" smtClean="0"/>
+              <a:rPr lang="en-US" sz="2400" dirty="0" smtClean="0"/>
               <a:t>Emissions </a:t>
             </a:r>
             <a:r>
-              <a:rPr lang="en-US" dirty="0"/>
+              <a:rPr lang="en-US" sz="2400" dirty="0"/>
               <a:t>from </a:t>
             </a:r>
             <a:r>
-              <a:rPr lang="en-US" dirty="0" smtClean="0"/>
+              <a:rPr lang="en-US" sz="2400" dirty="0" smtClean="0"/>
               <a:t>cars calculated and show how much of dirty air did you breath in</a:t>
             </a:r>
           </a:p>
           <a:p>
             <a:pPr lvl="1"/>
             <a:r>
-              <a:rPr lang="en-US" dirty="0" smtClean="0"/>
-              <a:t>How many garbage dumps around your city and how much they pollute the air</a:t>
-            </a:r>
+              <a:rPr lang="en-US" sz="2400" dirty="0" smtClean="0"/>
+              <a:t>How many garbage dumps around your city and how much they pollute the </a:t>
+            </a:r>
+            <a:r>
+              <a:rPr lang="en-US" sz="2400" dirty="0" smtClean="0"/>
+              <a:t>air</a:t>
+            </a:r>
+          </a:p>
+          <a:p>
+            <a:pPr marL="457200" lvl="1" indent="0">
+              <a:buNone/>
+            </a:pPr>
+            <a:endParaRPr lang="en-US" sz="2400" dirty="0" smtClean="0"/>
+          </a:p>
+          <a:p>
+            <a:pPr marL="457200" lvl="1" indent="0">
+              <a:buNone/>
+            </a:pPr>
+            <a:endParaRPr lang="en-US" sz="2400" dirty="0"/>
+          </a:p>
+          <a:p>
+            <a:pPr marL="457200" lvl="1" indent="0">
+              <a:buNone/>
+            </a:pPr>
+            <a:r>
+              <a:rPr lang="en-US" sz="2400" dirty="0" smtClean="0"/>
+              <a:t>Technologies that can use:</a:t>
+            </a:r>
+          </a:p>
+          <a:p>
+            <a:pPr marL="457200" lvl="1" indent="0">
+              <a:buNone/>
+            </a:pPr>
+            <a:r>
+              <a:rPr lang="en-US" sz="2400" dirty="0"/>
+              <a:t>	</a:t>
+            </a:r>
+            <a:r>
+              <a:rPr lang="en-US" sz="2400" dirty="0" smtClean="0"/>
+              <a:t>Machine learning</a:t>
+            </a:r>
+          </a:p>
+          <a:p>
+            <a:pPr marL="457200" lvl="1" indent="0">
+              <a:buNone/>
+            </a:pPr>
+            <a:r>
+              <a:rPr lang="en-US" sz="2400" dirty="0"/>
+              <a:t>	</a:t>
+            </a:r>
+            <a:r>
+              <a:rPr lang="en-US" sz="2400" dirty="0" smtClean="0"/>
+              <a:t>flutter</a:t>
+            </a:r>
+            <a:endParaRPr lang="en-US" sz="2400" dirty="0" smtClean="0"/>
           </a:p>
           <a:p>
             <a:pPr lvl="1"/>
@@ -7033,7 +7092,7 @@
           <a:p>
             <a:r>
               <a:rPr lang="en-US" dirty="0" smtClean="0"/>
-              <a:t>Warning Notifications</a:t>
+              <a:t>Comparing cities</a:t>
             </a:r>
             <a:endParaRPr lang="en-US" dirty="0"/>
           </a:p>
@@ -7049,27 +7108,68 @@
             <p:ph idx="1"/>
           </p:nvPr>
         </p:nvSpPr>
-        <p:spPr/>
+        <p:spPr>
+          <a:xfrm>
+            <a:off x="1251678" y="1711105"/>
+            <a:ext cx="10178322" cy="4626321"/>
+          </a:xfrm>
+        </p:spPr>
         <p:txBody>
           <a:bodyPr>
-            <a:normAutofit/>
+            <a:normAutofit fontScale="85000" lnSpcReduction="20000"/>
           </a:bodyPr>
           <a:lstStyle/>
           <a:p>
             <a:r>
-              <a:rPr lang="en-US" dirty="0" smtClean="0"/>
-              <a:t>If a user reached to a city that have very bad atmosphere we can detect it by the location server and give warning Notifications.</a:t>
-            </a:r>
-          </a:p>
-          <a:p>
-            <a:endParaRPr lang="en-US" dirty="0"/>
+              <a:rPr lang="en-US" sz="2800" dirty="0" smtClean="0"/>
+              <a:t>We </a:t>
+            </a:r>
+            <a:r>
+              <a:rPr lang="en-US" sz="2800" dirty="0"/>
+              <a:t>can update a feature as detect two cities </a:t>
+            </a:r>
+            <a:r>
+              <a:rPr lang="en-US" sz="2800" dirty="0" smtClean="0"/>
+              <a:t>atmosphere </a:t>
+            </a:r>
+            <a:r>
+              <a:rPr lang="en-US" sz="2800" dirty="0"/>
+              <a:t>and determine how bad one than </a:t>
+            </a:r>
+            <a:r>
+              <a:rPr lang="en-US" sz="2800" dirty="0" smtClean="0"/>
+              <a:t>the other</a:t>
+            </a:r>
+            <a:r>
+              <a:rPr lang="en-US" sz="2800" dirty="0"/>
+              <a:t>. </a:t>
+            </a:r>
+            <a:endParaRPr lang="en-US" sz="2800" dirty="0" smtClean="0"/>
+          </a:p>
+          <a:p>
+            <a:r>
+              <a:rPr lang="en-US" sz="2800" dirty="0"/>
+              <a:t>If a customer wants to travel he can get details of his own location and compare with his routing and other cities.</a:t>
+            </a:r>
+          </a:p>
+          <a:p>
+            <a:r>
+              <a:rPr lang="en-US" sz="2800" dirty="0"/>
+              <a:t>Then customer can get necessary steps for keep his health.(wearing masks)</a:t>
+            </a:r>
           </a:p>
           <a:p>
             <a:pPr marL="0" indent="0">
               <a:buNone/>
             </a:pPr>
-            <a:r>
-              <a:rPr lang="en-US" dirty="0" smtClean="0"/>
+            <a:endParaRPr lang="en-US" sz="2600" dirty="0"/>
+          </a:p>
+          <a:p>
+            <a:pPr marL="0" indent="0">
+              <a:buNone/>
+            </a:pPr>
+            <a:r>
+              <a:rPr lang="en-US" sz="2600" dirty="0"/>
               <a:t>Technologies that can use:</a:t>
             </a:r>
           </a:p>
@@ -7078,62 +7178,56 @@
               <a:buNone/>
             </a:pPr>
             <a:r>
-              <a:rPr lang="en-US" dirty="0"/>
+              <a:rPr lang="en-US" sz="2600" dirty="0"/>
+              <a:t>	machine learning </a:t>
+            </a:r>
+          </a:p>
+          <a:p>
+            <a:pPr marL="0" indent="0">
+              <a:buNone/>
+            </a:pPr>
+            <a:r>
+              <a:rPr lang="en-US" sz="2600" dirty="0"/>
               <a:t>	</a:t>
             </a:r>
             <a:r>
-              <a:rPr lang="en-US" dirty="0" smtClean="0"/>
-              <a:t>machine </a:t>
-            </a:r>
-            <a:r>
-              <a:rPr lang="en-US" dirty="0"/>
-              <a:t>learning </a:t>
-            </a:r>
-            <a:endParaRPr lang="en-US" dirty="0"/>
+              <a:rPr lang="en-US" sz="2600" dirty="0" err="1"/>
+              <a:t>keras</a:t>
+            </a:r>
+            <a:r>
+              <a:rPr lang="en-US" sz="2600" dirty="0"/>
+              <a:t> </a:t>
+            </a:r>
           </a:p>
           <a:p>
             <a:pPr marL="0" indent="0">
               <a:buNone/>
             </a:pPr>
             <a:r>
-              <a:rPr lang="en-US" dirty="0" smtClean="0"/>
+              <a:rPr lang="en-US" sz="2600" dirty="0"/>
               <a:t>	</a:t>
             </a:r>
             <a:r>
-              <a:rPr lang="en-US" dirty="0" err="1" smtClean="0"/>
-              <a:t>keras</a:t>
-            </a:r>
-            <a:r>
-              <a:rPr lang="en-US" dirty="0" smtClean="0"/>
-              <a:t> </a:t>
-            </a:r>
+              <a:rPr lang="en-US" sz="2600" dirty="0" err="1"/>
+              <a:t>tensaflow</a:t>
+            </a:r>
+            <a:endParaRPr lang="en-US" sz="2600" dirty="0"/>
           </a:p>
           <a:p>
             <a:pPr marL="0" indent="0">
               <a:buNone/>
             </a:pPr>
             <a:r>
-              <a:rPr lang="en-US" dirty="0"/>
+              <a:rPr lang="en-US" sz="2600" dirty="0"/>
               <a:t>	</a:t>
             </a:r>
             <a:r>
-              <a:rPr lang="en-US" dirty="0" err="1" smtClean="0"/>
-              <a:t>tensaflow</a:t>
-            </a:r>
-            <a:endParaRPr lang="en-US" dirty="0" smtClean="0"/>
-          </a:p>
-          <a:p>
-            <a:pPr marL="0" indent="0">
-              <a:buNone/>
-            </a:pPr>
-            <a:r>
-              <a:rPr lang="en-US" dirty="0"/>
-              <a:t>	</a:t>
-            </a:r>
-            <a:r>
-              <a:rPr lang="en-US" dirty="0" err="1" smtClean="0"/>
+              <a:rPr lang="en-US" sz="2600" dirty="0" err="1"/>
               <a:t>pyhton</a:t>
             </a:r>
+            <a:endParaRPr lang="en-US" sz="2600" dirty="0"/>
+          </a:p>
+          <a:p>
             <a:endParaRPr lang="en-US" dirty="0"/>
           </a:p>
         </p:txBody>
@@ -7141,7 +7235,7 @@
     </p:spTree>
     <p:extLst>
       <p:ext uri="{BB962C8B-B14F-4D97-AF65-F5344CB8AC3E}">
-        <p14:creationId xmlns:p14="http://schemas.microsoft.com/office/powerpoint/2010/main" val="1758058122"/>
+        <p14:creationId xmlns:p14="http://schemas.microsoft.com/office/powerpoint/2010/main" val="3392107814"/>
       </p:ext>
     </p:extLst>
   </p:cSld>
@@ -7185,7 +7279,7 @@
           <a:p>
             <a:r>
               <a:rPr lang="en-US" dirty="0" smtClean="0"/>
-              <a:t>Comparing cities</a:t>
+              <a:t>Warning Notifications</a:t>
             </a:r>
             <a:endParaRPr lang="en-US" dirty="0"/>
           </a:p>
@@ -7203,44 +7297,48 @@
         </p:nvSpPr>
         <p:spPr>
           <a:xfrm>
-            <a:off x="1251678" y="2077771"/>
-            <a:ext cx="10178322" cy="3593591"/>
+            <a:off x="1251678" y="1706579"/>
+            <a:ext cx="10178322" cy="4540312"/>
           </a:xfrm>
         </p:spPr>
         <p:txBody>
           <a:bodyPr>
-            <a:normAutofit lnSpcReduction="10000"/>
+            <a:normAutofit/>
           </a:bodyPr>
           <a:lstStyle/>
           <a:p>
             <a:r>
-              <a:rPr lang="en-US" dirty="0"/>
-              <a:t>If a customer wants to travel he can get details of his own location and compare with his routing and other cities.</a:t>
-            </a:r>
-          </a:p>
-          <a:p>
-            <a:r>
-              <a:rPr lang="en-US" dirty="0"/>
-              <a:t>Then customer can get necessary steps for keep his health.(wearing masks</a:t>
-            </a:r>
-            <a:r>
-              <a:rPr lang="en-US" dirty="0" smtClean="0"/>
-              <a:t>)</a:t>
-            </a:r>
+              <a:rPr lang="en-US" sz="2400" dirty="0" smtClean="0"/>
+              <a:t>If a user reached to a city that have very bad atmosphere we can detect it by the location server and give warning Notifications.</a:t>
+            </a:r>
+          </a:p>
+          <a:p>
+            <a:endParaRPr lang="en-US" sz="2400" dirty="0"/>
           </a:p>
           <a:p>
             <a:pPr marL="0" indent="0">
               <a:buNone/>
             </a:pPr>
-            <a:endParaRPr lang="en-US" dirty="0"/>
+            <a:r>
+              <a:rPr lang="en-US" sz="2400" dirty="0" smtClean="0"/>
+              <a:t>Technologies that can use:</a:t>
+            </a:r>
           </a:p>
           <a:p>
             <a:pPr marL="0" indent="0">
               <a:buNone/>
             </a:pPr>
             <a:r>
-              <a:rPr lang="en-US" dirty="0"/>
-              <a:t>Technologies that can use:</a:t>
+              <a:rPr lang="en-US" sz="2400" dirty="0"/>
+              <a:t>	</a:t>
+            </a:r>
+            <a:r>
+              <a:rPr lang="en-US" sz="2400" dirty="0" smtClean="0"/>
+              <a:t>machine </a:t>
+            </a:r>
+            <a:r>
+              <a:rPr lang="en-US" sz="2400" dirty="0"/>
+              <a:t>learning </a:t>
             </a:r>
           </a:p>
           <a:p>
@@ -7248,8 +7346,16 @@
               <a:buNone/>
             </a:pPr>
             <a:r>
-              <a:rPr lang="en-US" dirty="0"/>
-              <a:t>	machine learning </a:t>
+              <a:rPr lang="en-US" sz="2400" dirty="0" smtClean="0"/>
+              <a:t>	</a:t>
+            </a:r>
+            <a:r>
+              <a:rPr lang="en-US" sz="2400" dirty="0" err="1" smtClean="0"/>
+              <a:t>keras</a:t>
+            </a:r>
+            <a:r>
+              <a:rPr lang="en-US" sz="2400" dirty="0" smtClean="0"/>
+              <a:t> </a:t>
             </a:r>
           </a:p>
           <a:p>
@@ -7257,55 +7363,35 @@
               <a:buNone/>
             </a:pPr>
             <a:r>
-              <a:rPr lang="en-US" dirty="0"/>
+              <a:rPr lang="en-US" sz="2400" dirty="0"/>
               <a:t>	</a:t>
             </a:r>
             <a:r>
-              <a:rPr lang="en-US" dirty="0" err="1"/>
-              <a:t>keras</a:t>
-            </a:r>
-            <a:r>
-              <a:rPr lang="en-US" dirty="0"/>
-              <a:t> </a:t>
-            </a:r>
+              <a:rPr lang="en-US" sz="2400" dirty="0" err="1" smtClean="0"/>
+              <a:t>tensaflow</a:t>
+            </a:r>
+            <a:endParaRPr lang="en-US" sz="2400" dirty="0" smtClean="0"/>
           </a:p>
           <a:p>
             <a:pPr marL="0" indent="0">
               <a:buNone/>
             </a:pPr>
             <a:r>
-              <a:rPr lang="en-US" dirty="0"/>
+              <a:rPr lang="en-US" sz="2400" dirty="0"/>
               <a:t>	</a:t>
             </a:r>
             <a:r>
-              <a:rPr lang="en-US" dirty="0" err="1"/>
-              <a:t>tensaflow</a:t>
-            </a:r>
-            <a:endParaRPr lang="en-US" dirty="0"/>
-          </a:p>
-          <a:p>
-            <a:pPr marL="0" indent="0">
-              <a:buNone/>
-            </a:pPr>
-            <a:r>
-              <a:rPr lang="en-US" dirty="0"/>
-              <a:t>	</a:t>
-            </a:r>
-            <a:r>
-              <a:rPr lang="en-US" dirty="0" err="1"/>
+              <a:rPr lang="en-US" sz="2400" dirty="0" err="1" smtClean="0"/>
               <a:t>pyhton</a:t>
             </a:r>
-            <a:endParaRPr lang="en-US" dirty="0"/>
-          </a:p>
-          <a:p>
-            <a:endParaRPr lang="en-US" dirty="0"/>
+            <a:endParaRPr lang="en-US" sz="2400" dirty="0"/>
           </a:p>
         </p:txBody>
       </p:sp>
     </p:spTree>
     <p:extLst>
       <p:ext uri="{BB962C8B-B14F-4D97-AF65-F5344CB8AC3E}">
-        <p14:creationId xmlns:p14="http://schemas.microsoft.com/office/powerpoint/2010/main" val="3392107814"/>
+        <p14:creationId xmlns:p14="http://schemas.microsoft.com/office/powerpoint/2010/main" val="1758058122"/>
       </p:ext>
     </p:extLst>
   </p:cSld>
@@ -7368,100 +7454,110 @@
         <p:spPr>
           <a:xfrm>
             <a:off x="1251678" y="1548143"/>
-            <a:ext cx="10178322" cy="4331449"/>
+            <a:ext cx="10178322" cy="4816443"/>
           </a:xfrm>
         </p:spPr>
         <p:txBody>
           <a:bodyPr>
-            <a:normAutofit/>
+            <a:noAutofit/>
           </a:bodyPr>
           <a:lstStyle/>
           <a:p>
             <a:r>
+              <a:rPr lang="en-US" sz="2200" dirty="0"/>
+              <a:t>If a user has certain disease as </a:t>
+            </a:r>
+            <a:r>
+              <a:rPr lang="en-US" sz="2200" dirty="0" err="1"/>
+              <a:t>ischaemic</a:t>
+            </a:r>
+            <a:r>
+              <a:rPr lang="en-US" sz="2200" dirty="0"/>
+              <a:t> heart </a:t>
+            </a:r>
+            <a:r>
+              <a:rPr lang="en-US" sz="2200" dirty="0" smtClean="0"/>
+              <a:t>disease, stroke, lung cancer and </a:t>
+            </a:r>
+            <a:r>
+              <a:rPr lang="en-US" sz="2200" dirty="0" err="1" smtClean="0"/>
+              <a:t>etc</a:t>
+            </a:r>
+            <a:r>
+              <a:rPr lang="en-US" sz="2200" dirty="0" smtClean="0"/>
+              <a:t>, he </a:t>
+            </a:r>
+            <a:r>
+              <a:rPr lang="en-US" sz="2200" dirty="0"/>
+              <a:t>can check the current air status by looking the app.</a:t>
+            </a:r>
+          </a:p>
+          <a:p>
+            <a:r>
+              <a:rPr lang="en-US" sz="2200" dirty="0" smtClean="0"/>
+              <a:t>And </a:t>
+            </a:r>
+            <a:r>
+              <a:rPr lang="en-US" sz="2200" dirty="0" smtClean="0"/>
+              <a:t>also that customer can manage his routing before reached the air polluted area. </a:t>
+            </a:r>
+          </a:p>
+          <a:p>
+            <a:r>
+              <a:rPr lang="en-US" sz="2200" dirty="0" smtClean="0"/>
+              <a:t>If </a:t>
+            </a:r>
+            <a:r>
+              <a:rPr lang="en-US" sz="2200" dirty="0" smtClean="0"/>
+              <a:t>a customer suddenly have any health issue due to the polluted air, He can find a medical center also by looking our app immediately.  (by connecting maps to the app)</a:t>
+            </a:r>
+          </a:p>
+          <a:p>
+            <a:pPr marL="0" indent="0">
+              <a:buNone/>
+            </a:pPr>
+            <a:endParaRPr lang="en-US" sz="2200" b="1" dirty="0" smtClean="0"/>
+          </a:p>
+          <a:p>
+            <a:pPr marL="0" indent="0">
+              <a:buNone/>
+            </a:pPr>
+            <a:r>
+              <a:rPr lang="en-US" sz="2200" b="1" dirty="0" smtClean="0"/>
+              <a:t>Technologies that can use:</a:t>
+            </a:r>
+            <a:endParaRPr lang="en-US" sz="2200" b="1" dirty="0"/>
+          </a:p>
+          <a:p>
+            <a:pPr lvl="1"/>
+            <a:r>
+              <a:rPr lang="en-US" dirty="0"/>
+              <a:t>machine learning </a:t>
+            </a:r>
+            <a:endParaRPr lang="en-US" dirty="0" smtClean="0"/>
+          </a:p>
+          <a:p>
+            <a:pPr lvl="1"/>
+            <a:r>
+              <a:rPr lang="en-US" dirty="0" err="1" smtClean="0"/>
+              <a:t>Pyhton</a:t>
+            </a:r>
+            <a:endParaRPr lang="en-US" dirty="0"/>
+          </a:p>
+          <a:p>
+            <a:pPr lvl="1"/>
+            <a:r>
               <a:rPr lang="en-US" dirty="0" smtClean="0"/>
-              <a:t>If a user has </a:t>
-            </a:r>
-            <a:r>
-              <a:rPr lang="en-US" dirty="0"/>
-              <a:t>certain </a:t>
-            </a:r>
+              <a:t>React</a:t>
+            </a:r>
+          </a:p>
+          <a:p>
+            <a:pPr lvl="1"/>
             <a:r>
               <a:rPr lang="en-US" dirty="0" smtClean="0"/>
-              <a:t>disease </a:t>
-            </a:r>
-            <a:r>
-              <a:rPr lang="en-US" dirty="0"/>
-              <a:t>as asthma </a:t>
-            </a:r>
-            <a:r>
-              <a:rPr lang="en-US" dirty="0" smtClean="0"/>
-              <a:t>wheezing, coughing and cancer </a:t>
-            </a:r>
-            <a:r>
-              <a:rPr lang="en-US" dirty="0" err="1" smtClean="0"/>
-              <a:t>etc</a:t>
-            </a:r>
-            <a:r>
-              <a:rPr lang="en-US" dirty="0" smtClean="0"/>
-              <a:t>, he can check the current air status by looking the app.</a:t>
-            </a:r>
-          </a:p>
-          <a:p>
-            <a:r>
-              <a:rPr lang="en-US" dirty="0" smtClean="0"/>
-              <a:t>And also that customer can manage his routing before reached the air polluted area. </a:t>
-            </a:r>
-          </a:p>
-          <a:p>
-            <a:r>
-              <a:rPr lang="en-US" dirty="0"/>
-              <a:t>We can update a </a:t>
-            </a:r>
-            <a:r>
-              <a:rPr lang="en-US" dirty="0" smtClean="0"/>
-              <a:t>feature </a:t>
-            </a:r>
-            <a:r>
-              <a:rPr lang="en-US" dirty="0"/>
-              <a:t>as </a:t>
-            </a:r>
-            <a:r>
-              <a:rPr lang="en-US" dirty="0" smtClean="0"/>
-              <a:t>detect </a:t>
-            </a:r>
-            <a:r>
-              <a:rPr lang="en-US" dirty="0"/>
-              <a:t>two cities air and determine how bad one than other. </a:t>
-            </a:r>
-            <a:endParaRPr lang="en-US" dirty="0" smtClean="0"/>
-          </a:p>
-          <a:p>
-            <a:r>
-              <a:rPr lang="en-US" dirty="0" smtClean="0"/>
-              <a:t>If a customer suddenly have any health issue due to the polluted air, He can find a medical center also by looking our app immediately.  (by connecting maps to the app)</a:t>
-            </a:r>
-          </a:p>
-          <a:p>
-            <a:pPr marL="0" indent="0">
-              <a:buNone/>
-            </a:pPr>
-            <a:endParaRPr lang="en-US" b="1" dirty="0" smtClean="0"/>
-          </a:p>
-          <a:p>
-            <a:pPr marL="0" indent="0">
-              <a:buNone/>
-            </a:pPr>
-            <a:r>
-              <a:rPr lang="en-US" b="1" dirty="0" smtClean="0"/>
-              <a:t>Technologies that can use:</a:t>
-            </a:r>
-            <a:endParaRPr lang="en-US" b="1" dirty="0"/>
-          </a:p>
-          <a:p>
-            <a:r>
-              <a:rPr lang="en-US" dirty="0"/>
-              <a:t>machine learning ,pyhton,react , flutter</a:t>
-            </a:r>
+              <a:t>flutter</a:t>
+            </a:r>
+            <a:endParaRPr lang="en-US" dirty="0"/>
           </a:p>
         </p:txBody>
       </p:sp>

--- a/shoot i smoke.pptx
+++ b/shoot i smoke.pptx
@@ -6,10 +6,11 @@
   </p:sldMasterIdLst>
   <p:sldIdLst>
     <p:sldId id="256" r:id="rId2"/>
-    <p:sldId id="259" r:id="rId3"/>
-    <p:sldId id="260" r:id="rId4"/>
-    <p:sldId id="257" r:id="rId5"/>
-    <p:sldId id="258" r:id="rId6"/>
+    <p:sldId id="264" r:id="rId3"/>
+    <p:sldId id="259" r:id="rId4"/>
+    <p:sldId id="260" r:id="rId5"/>
+    <p:sldId id="257" r:id="rId6"/>
+    <p:sldId id="258" r:id="rId7"/>
   </p:sldIdLst>
   <p:sldSz cx="12192000" cy="6858000"/>
   <p:notesSz cx="6858000" cy="9144000"/>
@@ -6890,27 +6891,11 @@
           <a:p>
             <a:r>
               <a:rPr lang="en-US" dirty="0" smtClean="0"/>
-              <a:t>Not only </a:t>
-            </a:r>
-            <a:r>
-              <a:rPr lang="en-US" dirty="0" err="1" smtClean="0"/>
-              <a:t>Cigerettes</a:t>
-            </a:r>
-            <a:r>
-              <a:rPr lang="en-US" dirty="0" smtClean="0"/>
-              <a:t>, But also </a:t>
-            </a:r>
-            <a:r>
-              <a:rPr lang="en-US" dirty="0" err="1" smtClean="0"/>
-              <a:t>vehical</a:t>
-            </a:r>
-            <a:r>
-              <a:rPr lang="en-US" dirty="0" smtClean="0"/>
-              <a:t> smoke </a:t>
-            </a:r>
-            <a:r>
-              <a:rPr lang="en-US" dirty="0" err="1" smtClean="0"/>
-              <a:t>etc</a:t>
+              <a:t>a </a:t>
+            </a:r>
+            <a:r>
+              <a:rPr lang="en-US" dirty="0"/>
+              <a:t>user interface </a:t>
             </a:r>
             <a:endParaRPr lang="en-US" dirty="0"/>
           </a:p>
@@ -6928,127 +6913,87 @@
         </p:nvSpPr>
         <p:spPr>
           <a:xfrm>
-            <a:off x="1251678" y="2059664"/>
-            <a:ext cx="10178322" cy="4449778"/>
+            <a:off x="1251678" y="1577663"/>
+            <a:ext cx="10178322" cy="3593591"/>
           </a:xfrm>
         </p:spPr>
         <p:txBody>
-          <a:bodyPr>
-            <a:normAutofit fontScale="92500" lnSpcReduction="20000"/>
-          </a:bodyPr>
+          <a:bodyPr/>
           <a:lstStyle/>
           <a:p>
-            <a:r>
-              <a:rPr lang="en-US" sz="2800" dirty="0"/>
-              <a:t>So we decided to make this conversion </a:t>
-            </a:r>
-            <a:r>
-              <a:rPr lang="en-US" sz="2800" dirty="0" smtClean="0"/>
-              <a:t>not only to </a:t>
-            </a:r>
-            <a:r>
-              <a:rPr lang="en-US" sz="2800" dirty="0"/>
-              <a:t>cigarettes: it makes it easier to understand what people are dealing with, and the consequences air quality has in their daily lives</a:t>
-            </a:r>
-            <a:r>
-              <a:rPr lang="en-US" sz="2800" dirty="0" smtClean="0"/>
+            <a:pPr lvl="0"/>
+            <a:r>
+              <a:rPr lang="en-US" dirty="0"/>
+              <a:t>We will add a user interface as an added  feature </a:t>
+            </a:r>
+            <a:r>
+              <a:rPr lang="en-US" dirty="0" smtClean="0"/>
               <a:t>.</a:t>
             </a:r>
-          </a:p>
-          <a:p>
-            <a:r>
-              <a:rPr lang="en-US" sz="2800" dirty="0" err="1" smtClean="0"/>
-              <a:t>Eg</a:t>
-            </a:r>
-            <a:r>
-              <a:rPr lang="en-US" sz="2800" dirty="0" smtClean="0"/>
-              <a:t>:  </a:t>
-            </a:r>
-          </a:p>
-          <a:p>
-            <a:pPr lvl="1"/>
-            <a:r>
-              <a:rPr lang="en-US" sz="2400" dirty="0" smtClean="0"/>
-              <a:t>Emissions </a:t>
-            </a:r>
-            <a:r>
-              <a:rPr lang="en-US" sz="2400" dirty="0"/>
-              <a:t>from </a:t>
-            </a:r>
-            <a:r>
-              <a:rPr lang="en-US" sz="2400" dirty="0" smtClean="0"/>
-              <a:t>cars calculated and show how much of dirty air did you breath in</a:t>
-            </a:r>
-          </a:p>
-          <a:p>
-            <a:pPr lvl="1"/>
-            <a:r>
-              <a:rPr lang="en-US" sz="2400" dirty="0" smtClean="0"/>
-              <a:t>How many garbage dumps around your city and how much they pollute the </a:t>
-            </a:r>
-            <a:r>
-              <a:rPr lang="en-US" sz="2400" dirty="0" smtClean="0"/>
-              <a:t>air</a:t>
-            </a:r>
-          </a:p>
-          <a:p>
-            <a:pPr marL="457200" lvl="1" indent="0">
+            <a:endParaRPr lang="en-US" dirty="0"/>
+          </a:p>
+          <a:p>
+            <a:pPr lvl="0"/>
+            <a:r>
+              <a:rPr lang="en-US" dirty="0" smtClean="0"/>
+              <a:t>This </a:t>
+            </a:r>
+            <a:r>
+              <a:rPr lang="en-US" dirty="0"/>
+              <a:t>interface will hold name, age, and the most significant key is that this interface will  get record of the  health issues that the user has , which can be used for the betterment of the services of this app.</a:t>
+            </a:r>
+          </a:p>
+          <a:p>
+            <a:pPr marL="0" lvl="0" indent="0">
               <a:buNone/>
             </a:pPr>
-            <a:endParaRPr lang="en-US" sz="2400" dirty="0" smtClean="0"/>
-          </a:p>
-          <a:p>
-            <a:pPr marL="457200" lvl="1" indent="0">
+            <a:endParaRPr lang="en-US" dirty="0" smtClean="0"/>
+          </a:p>
+          <a:p>
+            <a:pPr marL="0" lvl="0" indent="0">
               <a:buNone/>
             </a:pPr>
-            <a:endParaRPr lang="en-US" sz="2400" dirty="0"/>
-          </a:p>
-          <a:p>
-            <a:pPr marL="457200" lvl="1" indent="0">
+            <a:r>
+              <a:rPr lang="en-US" dirty="0" smtClean="0"/>
+              <a:t>Technology </a:t>
+            </a:r>
+            <a:r>
+              <a:rPr lang="en-US" dirty="0"/>
+              <a:t>–</a:t>
+            </a:r>
+          </a:p>
+          <a:p>
+            <a:pPr marL="0" indent="0">
               <a:buNone/>
             </a:pPr>
             <a:r>
-              <a:rPr lang="en-US" sz="2400" dirty="0" smtClean="0"/>
-              <a:t>Technologies that can use:</a:t>
-            </a:r>
-          </a:p>
-          <a:p>
-            <a:pPr marL="457200" lvl="1" indent="0">
+              <a:rPr lang="en-US" dirty="0" smtClean="0"/>
+              <a:t>	React </a:t>
+            </a:r>
+          </a:p>
+          <a:p>
+            <a:pPr marL="0" indent="0">
               <a:buNone/>
             </a:pPr>
             <a:r>
-              <a:rPr lang="en-US" sz="2400" dirty="0"/>
+              <a:rPr lang="en-US" dirty="0"/>
               <a:t>	</a:t>
             </a:r>
             <a:r>
-              <a:rPr lang="en-US" sz="2400" dirty="0" smtClean="0"/>
-              <a:t>Machine learning</a:t>
-            </a:r>
-          </a:p>
-          <a:p>
-            <a:pPr marL="457200" lvl="1" indent="0">
-              <a:buNone/>
-            </a:pPr>
-            <a:r>
-              <a:rPr lang="en-US" sz="2400" dirty="0"/>
-              <a:t>	</a:t>
-            </a:r>
-            <a:r>
-              <a:rPr lang="en-US" sz="2400" dirty="0" smtClean="0"/>
-              <a:t>flutter</a:t>
-            </a:r>
-            <a:endParaRPr lang="en-US" sz="2400" dirty="0" smtClean="0"/>
-          </a:p>
-          <a:p>
-            <a:pPr lvl="1"/>
-            <a:endParaRPr lang="en-US" dirty="0"/>
+              <a:rPr lang="en-US" dirty="0" smtClean="0"/>
+              <a:t>flutter </a:t>
+            </a:r>
+            <a:r>
+              <a:rPr lang="en-US" dirty="0"/>
+              <a:t>( platform independency)</a:t>
+            </a:r>
           </a:p>
         </p:txBody>
       </p:sp>
     </p:spTree>
     <p:extLst>
       <p:ext uri="{BB962C8B-B14F-4D97-AF65-F5344CB8AC3E}">
-        <p14:creationId xmlns:p14="http://schemas.microsoft.com/office/powerpoint/2010/main" val="1316313668"/>
+        <p14:creationId xmlns:p14="http://schemas.microsoft.com/office/powerpoint/2010/main" val="2132234594"/>
       </p:ext>
     </p:extLst>
   </p:cSld>
@@ -7092,7 +7037,27 @@
           <a:p>
             <a:r>
               <a:rPr lang="en-US" dirty="0" smtClean="0"/>
-              <a:t>Comparing cities</a:t>
+              <a:t>Not only </a:t>
+            </a:r>
+            <a:r>
+              <a:rPr lang="en-US" dirty="0" err="1" smtClean="0"/>
+              <a:t>Cigerettes</a:t>
+            </a:r>
+            <a:r>
+              <a:rPr lang="en-US" dirty="0" smtClean="0"/>
+              <a:t>, But also </a:t>
+            </a:r>
+            <a:r>
+              <a:rPr lang="en-US" dirty="0" err="1" smtClean="0"/>
+              <a:t>vehical</a:t>
+            </a:r>
+            <a:r>
+              <a:rPr lang="en-US" dirty="0" smtClean="0"/>
+              <a:t> smoke </a:t>
+            </a:r>
+            <a:r>
+              <a:rPr lang="en-US" dirty="0" err="1" smtClean="0"/>
+              <a:t>etc</a:t>
             </a:r>
             <a:endParaRPr lang="en-US" dirty="0"/>
           </a:p>
@@ -7110,124 +7075,114 @@
         </p:nvSpPr>
         <p:spPr>
           <a:xfrm>
-            <a:off x="1251678" y="1711105"/>
-            <a:ext cx="10178322" cy="4626321"/>
+            <a:off x="1251678" y="2059664"/>
+            <a:ext cx="10178322" cy="4449778"/>
           </a:xfrm>
         </p:spPr>
         <p:txBody>
           <a:bodyPr>
-            <a:normAutofit fontScale="85000" lnSpcReduction="20000"/>
+            <a:normAutofit fontScale="85000" lnSpcReduction="10000"/>
           </a:bodyPr>
           <a:lstStyle/>
           <a:p>
             <a:r>
+              <a:rPr lang="en-US" sz="2800" dirty="0"/>
+              <a:t>So we decided to make this conversion </a:t>
+            </a:r>
+            <a:r>
               <a:rPr lang="en-US" sz="2800" dirty="0" smtClean="0"/>
-              <a:t>We </a:t>
+              <a:t>not only to </a:t>
             </a:r>
             <a:r>
               <a:rPr lang="en-US" sz="2800" dirty="0"/>
-              <a:t>can update a feature as detect two cities </a:t>
+              <a:t>cigarettes: it makes it easier to understand what people are dealing with, and the consequences air quality has in their daily lives</a:t>
             </a:r>
             <a:r>
               <a:rPr lang="en-US" sz="2800" dirty="0" smtClean="0"/>
-              <a:t>atmosphere </a:t>
-            </a:r>
-            <a:r>
-              <a:rPr lang="en-US" sz="2800" dirty="0"/>
-              <a:t>and determine how bad one than </a:t>
+              <a:t>.</a:t>
+            </a:r>
+          </a:p>
+          <a:p>
+            <a:r>
+              <a:rPr lang="en-US" sz="2800" dirty="0" err="1" smtClean="0"/>
+              <a:t>Eg</a:t>
             </a:r>
             <a:r>
               <a:rPr lang="en-US" sz="2800" dirty="0" smtClean="0"/>
-              <a:t>the other</a:t>
-            </a:r>
-            <a:r>
-              <a:rPr lang="en-US" sz="2800" dirty="0"/>
-              <a:t>. </a:t>
-            </a:r>
-            <a:endParaRPr lang="en-US" sz="2800" dirty="0" smtClean="0"/>
-          </a:p>
-          <a:p>
-            <a:r>
-              <a:rPr lang="en-US" sz="2800" dirty="0"/>
-              <a:t>If a customer wants to travel he can get details of his own location and compare with his routing and other cities.</a:t>
-            </a:r>
-          </a:p>
-          <a:p>
-            <a:r>
-              <a:rPr lang="en-US" sz="2800" dirty="0"/>
-              <a:t>Then customer can get necessary steps for keep his health.(wearing masks)</a:t>
-            </a:r>
-          </a:p>
-          <a:p>
-            <a:pPr marL="0" indent="0">
+              <a:t>:  </a:t>
+            </a:r>
+          </a:p>
+          <a:p>
+            <a:pPr lvl="1"/>
+            <a:r>
+              <a:rPr lang="en-US" sz="2400" dirty="0" smtClean="0"/>
+              <a:t>Emissions </a:t>
+            </a:r>
+            <a:r>
+              <a:rPr lang="en-US" sz="2400" dirty="0"/>
+              <a:t>from </a:t>
+            </a:r>
+            <a:r>
+              <a:rPr lang="en-US" sz="2400" dirty="0" smtClean="0"/>
+              <a:t>cars calculated and show how much of dirty air did you breath in</a:t>
+            </a:r>
+          </a:p>
+          <a:p>
+            <a:pPr lvl="1"/>
+            <a:r>
+              <a:rPr lang="en-US" sz="2400" dirty="0" smtClean="0"/>
+              <a:t>How many garbage dumps around your city and how much they pollute the air</a:t>
+            </a:r>
+          </a:p>
+          <a:p>
+            <a:pPr marL="457200" lvl="1" indent="0">
               <a:buNone/>
             </a:pPr>
-            <a:endParaRPr lang="en-US" sz="2600" dirty="0"/>
-          </a:p>
-          <a:p>
-            <a:pPr marL="0" indent="0">
+            <a:endParaRPr lang="en-US" sz="2400" dirty="0" smtClean="0"/>
+          </a:p>
+          <a:p>
+            <a:pPr marL="457200" lvl="1" indent="0">
               <a:buNone/>
             </a:pPr>
-            <a:r>
-              <a:rPr lang="en-US" sz="2600" dirty="0"/>
+            <a:endParaRPr lang="en-US" sz="2400" dirty="0"/>
+          </a:p>
+          <a:p>
+            <a:pPr marL="457200" lvl="1" indent="0">
+              <a:buNone/>
+            </a:pPr>
+            <a:r>
+              <a:rPr lang="en-US" sz="2400" dirty="0" smtClean="0"/>
               <a:t>Technologies that can use:</a:t>
             </a:r>
           </a:p>
           <a:p>
-            <a:pPr marL="0" indent="0">
+            <a:pPr marL="457200" lvl="1" indent="0">
               <a:buNone/>
             </a:pPr>
             <a:r>
-              <a:rPr lang="en-US" sz="2600" dirty="0"/>
-              <a:t>	machine learning </a:t>
-            </a:r>
-          </a:p>
-          <a:p>
-            <a:pPr marL="0" indent="0">
+              <a:rPr lang="en-US" sz="2400" dirty="0"/>
+              <a:t>	</a:t>
+            </a:r>
+            <a:r>
+              <a:rPr lang="en-US" sz="2400" dirty="0" smtClean="0"/>
+              <a:t>Machine learning</a:t>
+            </a:r>
+          </a:p>
+          <a:p>
+            <a:pPr marL="457200" lvl="1" indent="0">
               <a:buNone/>
             </a:pPr>
             <a:r>
-              <a:rPr lang="en-US" sz="2600" dirty="0"/>
+              <a:rPr lang="en-US" sz="2400" dirty="0"/>
               <a:t>	</a:t>
             </a:r>
             <a:r>
-              <a:rPr lang="en-US" sz="2600" dirty="0" err="1"/>
-              <a:t>keras</a:t>
-            </a:r>
-            <a:r>
-              <a:rPr lang="en-US" sz="2600" dirty="0"/>
-              <a:t> </a:t>
-            </a:r>
-          </a:p>
-          <a:p>
-            <a:pPr marL="0" indent="0">
-              <a:buNone/>
-            </a:pPr>
-            <a:r>
-              <a:rPr lang="en-US" sz="2600" dirty="0"/>
-              <a:t>	</a:t>
-            </a:r>
-            <a:r>
-              <a:rPr lang="en-US" sz="2600" dirty="0" err="1"/>
-              <a:t>tensaflow</a:t>
-            </a:r>
-            <a:endParaRPr lang="en-US" sz="2600" dirty="0"/>
-          </a:p>
-          <a:p>
-            <a:pPr marL="0" indent="0">
-              <a:buNone/>
-            </a:pPr>
-            <a:r>
-              <a:rPr lang="en-US" sz="2600" dirty="0"/>
-              <a:t>	</a:t>
-            </a:r>
-            <a:r>
-              <a:rPr lang="en-US" sz="2600" dirty="0" err="1"/>
-              <a:t>pyhton</a:t>
-            </a:r>
-            <a:endParaRPr lang="en-US" sz="2600" dirty="0"/>
-          </a:p>
-          <a:p>
+              <a:rPr lang="en-US" sz="2400" dirty="0" smtClean="0"/>
+              <a:t>flutter</a:t>
+            </a:r>
+          </a:p>
+          <a:p>
+            <a:pPr lvl="1"/>
             <a:endParaRPr lang="en-US" dirty="0"/>
           </a:p>
         </p:txBody>
@@ -7235,7 +7190,7 @@
     </p:spTree>
     <p:extLst>
       <p:ext uri="{BB962C8B-B14F-4D97-AF65-F5344CB8AC3E}">
-        <p14:creationId xmlns:p14="http://schemas.microsoft.com/office/powerpoint/2010/main" val="3392107814"/>
+        <p14:creationId xmlns:p14="http://schemas.microsoft.com/office/powerpoint/2010/main" val="1316313668"/>
       </p:ext>
     </p:extLst>
   </p:cSld>
@@ -7279,7 +7234,7 @@
           <a:p>
             <a:r>
               <a:rPr lang="en-US" dirty="0" smtClean="0"/>
-              <a:t>Warning Notifications</a:t>
+              <a:t>Comparing cities</a:t>
             </a:r>
             <a:endParaRPr lang="en-US" dirty="0"/>
           </a:p>
@@ -7297,30 +7252,66 @@
         </p:nvSpPr>
         <p:spPr>
           <a:xfrm>
-            <a:off x="1251678" y="1706579"/>
-            <a:ext cx="10178322" cy="4540312"/>
+            <a:off x="1251678" y="1711105"/>
+            <a:ext cx="10178322" cy="4626321"/>
           </a:xfrm>
         </p:spPr>
         <p:txBody>
           <a:bodyPr>
-            <a:normAutofit/>
+            <a:normAutofit fontScale="85000" lnSpcReduction="20000"/>
           </a:bodyPr>
           <a:lstStyle/>
           <a:p>
             <a:r>
-              <a:rPr lang="en-US" sz="2400" dirty="0" smtClean="0"/>
-              <a:t>If a user reached to a city that have very bad atmosphere we can detect it by the location server and give warning Notifications.</a:t>
-            </a:r>
-          </a:p>
-          <a:p>
-            <a:endParaRPr lang="en-US" sz="2400" dirty="0"/>
+              <a:rPr lang="en-US" sz="2800" dirty="0" smtClean="0"/>
+              <a:t>We </a:t>
+            </a:r>
+            <a:r>
+              <a:rPr lang="en-US" sz="2800" dirty="0"/>
+              <a:t>can update a feature as detect two cities </a:t>
+            </a:r>
+            <a:r>
+              <a:rPr lang="en-US" sz="2800" dirty="0" smtClean="0"/>
+              <a:t>atmosphere </a:t>
+            </a:r>
+            <a:r>
+              <a:rPr lang="en-US" sz="2800" dirty="0"/>
+              <a:t>and determine how bad one than </a:t>
+            </a:r>
+            <a:r>
+              <a:rPr lang="en-US" sz="2800" dirty="0" smtClean="0"/>
+              <a:t>the other</a:t>
+            </a:r>
+            <a:r>
+              <a:rPr lang="en-US" sz="2800" dirty="0"/>
+              <a:t>. </a:t>
+            </a:r>
+            <a:endParaRPr lang="en-US" sz="2800" dirty="0" smtClean="0"/>
+          </a:p>
+          <a:p>
+            <a:r>
+              <a:rPr lang="en-US" sz="2800" dirty="0"/>
+              <a:t>If a customer wants to travel he can get details of his own location and compare with his routing and other cities.</a:t>
+            </a:r>
+          </a:p>
+          <a:p>
+            <a:r>
+              <a:rPr lang="en-US" sz="2800" dirty="0"/>
+              <a:t>Then customer can get necessary steps for keep his health.(wearing masks)</a:t>
+            </a:r>
           </a:p>
           <a:p>
             <a:pPr marL="0" indent="0">
               <a:buNone/>
             </a:pPr>
-            <a:r>
-              <a:rPr lang="en-US" sz="2400" dirty="0" smtClean="0"/>
+            <a:endParaRPr lang="en-US" sz="2600" dirty="0"/>
+          </a:p>
+          <a:p>
+            <a:pPr marL="0" indent="0">
+              <a:buNone/>
+            </a:pPr>
+            <a:r>
+              <a:rPr lang="en-US" sz="2600" dirty="0"/>
               <a:t>Technologies that can use:</a:t>
             </a:r>
           </a:p>
@@ -7329,16 +7320,25 @@
               <a:buNone/>
             </a:pPr>
             <a:r>
-              <a:rPr lang="en-US" sz="2400" dirty="0"/>
+              <a:rPr lang="en-US" sz="2600" dirty="0"/>
+              <a:t>	machine learning </a:t>
+            </a:r>
+          </a:p>
+          <a:p>
+            <a:pPr marL="0" indent="0">
+              <a:buNone/>
+            </a:pPr>
+            <a:r>
+              <a:rPr lang="en-US" sz="2600" dirty="0"/>
               <a:t>	</a:t>
             </a:r>
             <a:r>
-              <a:rPr lang="en-US" sz="2400" dirty="0" smtClean="0"/>
-              <a:t>machine </a:t>
-            </a:r>
-            <a:r>
-              <a:rPr lang="en-US" sz="2400" dirty="0"/>
-              <a:t>learning </a:t>
+              <a:rPr lang="en-US" sz="2600" dirty="0" err="1"/>
+              <a:t>keras</a:t>
+            </a:r>
+            <a:r>
+              <a:rPr lang="en-US" sz="2600" dirty="0"/>
+              <a:t> </a:t>
             </a:r>
           </a:p>
           <a:p>
@@ -7346,52 +7346,38 @@
               <a:buNone/>
             </a:pPr>
             <a:r>
-              <a:rPr lang="en-US" sz="2400" dirty="0" smtClean="0"/>
+              <a:rPr lang="en-US" sz="2600" dirty="0"/>
               <a:t>	</a:t>
             </a:r>
             <a:r>
-              <a:rPr lang="en-US" sz="2400" dirty="0" err="1" smtClean="0"/>
-              <a:t>keras</a:t>
-            </a:r>
-            <a:r>
-              <a:rPr lang="en-US" sz="2400" dirty="0" smtClean="0"/>
-              <a:t> </a:t>
-            </a:r>
+              <a:rPr lang="en-US" sz="2600" dirty="0" err="1"/>
+              <a:t>tensaflow</a:t>
+            </a:r>
+            <a:endParaRPr lang="en-US" sz="2600" dirty="0"/>
           </a:p>
           <a:p>
             <a:pPr marL="0" indent="0">
               <a:buNone/>
             </a:pPr>
             <a:r>
-              <a:rPr lang="en-US" sz="2400" dirty="0"/>
+              <a:rPr lang="en-US" sz="2600" dirty="0"/>
               <a:t>	</a:t>
             </a:r>
             <a:r>
-              <a:rPr lang="en-US" sz="2400" dirty="0" err="1" smtClean="0"/>
-              <a:t>tensaflow</a:t>
-            </a:r>
-            <a:endParaRPr lang="en-US" sz="2400" dirty="0" smtClean="0"/>
-          </a:p>
-          <a:p>
-            <a:pPr marL="0" indent="0">
-              <a:buNone/>
-            </a:pPr>
-            <a:r>
-              <a:rPr lang="en-US" sz="2400" dirty="0"/>
-              <a:t>	</a:t>
-            </a:r>
-            <a:r>
-              <a:rPr lang="en-US" sz="2400" dirty="0" err="1" smtClean="0"/>
+              <a:rPr lang="en-US" sz="2600" dirty="0" err="1"/>
               <a:t>pyhton</a:t>
             </a:r>
-            <a:endParaRPr lang="en-US" sz="2400" dirty="0"/>
+            <a:endParaRPr lang="en-US" sz="2600" dirty="0"/>
+          </a:p>
+          <a:p>
+            <a:endParaRPr lang="en-US" dirty="0"/>
           </a:p>
         </p:txBody>
       </p:sp>
     </p:spTree>
     <p:extLst>
       <p:ext uri="{BB962C8B-B14F-4D97-AF65-F5344CB8AC3E}">
-        <p14:creationId xmlns:p14="http://schemas.microsoft.com/office/powerpoint/2010/main" val="1758058122"/>
+        <p14:creationId xmlns:p14="http://schemas.microsoft.com/office/powerpoint/2010/main" val="3392107814"/>
       </p:ext>
     </p:extLst>
   </p:cSld>
@@ -7435,6 +7421,162 @@
           <a:p>
             <a:r>
               <a:rPr lang="en-US" dirty="0" smtClean="0"/>
+              <a:t>Warning Notifications</a:t>
+            </a:r>
+            <a:endParaRPr lang="en-US" dirty="0"/>
+          </a:p>
+        </p:txBody>
+      </p:sp>
+      <p:sp>
+        <p:nvSpPr>
+          <p:cNvPr id="3" name="Content Placeholder 2"/>
+          <p:cNvSpPr>
+            <a:spLocks noGrp="1"/>
+          </p:cNvSpPr>
+          <p:nvPr>
+            <p:ph idx="1"/>
+          </p:nvPr>
+        </p:nvSpPr>
+        <p:spPr>
+          <a:xfrm>
+            <a:off x="1251678" y="1706579"/>
+            <a:ext cx="10178322" cy="4540312"/>
+          </a:xfrm>
+        </p:spPr>
+        <p:txBody>
+          <a:bodyPr>
+            <a:normAutofit/>
+          </a:bodyPr>
+          <a:lstStyle/>
+          <a:p>
+            <a:r>
+              <a:rPr lang="en-US" sz="2400" dirty="0" smtClean="0"/>
+              <a:t>If a user reached to a city that have very bad atmosphere we can detect it by the location server and give warning Notifications.</a:t>
+            </a:r>
+          </a:p>
+          <a:p>
+            <a:endParaRPr lang="en-US" sz="2400" dirty="0"/>
+          </a:p>
+          <a:p>
+            <a:pPr marL="0" indent="0">
+              <a:buNone/>
+            </a:pPr>
+            <a:r>
+              <a:rPr lang="en-US" sz="2400" dirty="0" smtClean="0"/>
+              <a:t>Technologies that can use:</a:t>
+            </a:r>
+          </a:p>
+          <a:p>
+            <a:pPr marL="0" indent="0">
+              <a:buNone/>
+            </a:pPr>
+            <a:r>
+              <a:rPr lang="en-US" sz="2400" dirty="0"/>
+              <a:t>	</a:t>
+            </a:r>
+            <a:r>
+              <a:rPr lang="en-US" sz="2400" dirty="0" smtClean="0"/>
+              <a:t>machine </a:t>
+            </a:r>
+            <a:r>
+              <a:rPr lang="en-US" sz="2400" dirty="0"/>
+              <a:t>learning </a:t>
+            </a:r>
+          </a:p>
+          <a:p>
+            <a:pPr marL="0" indent="0">
+              <a:buNone/>
+            </a:pPr>
+            <a:r>
+              <a:rPr lang="en-US" sz="2400" dirty="0" smtClean="0"/>
+              <a:t>	</a:t>
+            </a:r>
+            <a:r>
+              <a:rPr lang="en-US" sz="2400" dirty="0" err="1" smtClean="0"/>
+              <a:t>keras</a:t>
+            </a:r>
+            <a:r>
+              <a:rPr lang="en-US" sz="2400" dirty="0" smtClean="0"/>
+              <a:t> </a:t>
+            </a:r>
+          </a:p>
+          <a:p>
+            <a:pPr marL="0" indent="0">
+              <a:buNone/>
+            </a:pPr>
+            <a:r>
+              <a:rPr lang="en-US" sz="2400" dirty="0"/>
+              <a:t>	</a:t>
+            </a:r>
+            <a:r>
+              <a:rPr lang="en-US" sz="2400" dirty="0" err="1" smtClean="0"/>
+              <a:t>tensaflow</a:t>
+            </a:r>
+            <a:endParaRPr lang="en-US" sz="2400" dirty="0" smtClean="0"/>
+          </a:p>
+          <a:p>
+            <a:pPr marL="0" indent="0">
+              <a:buNone/>
+            </a:pPr>
+            <a:r>
+              <a:rPr lang="en-US" sz="2400" dirty="0"/>
+              <a:t>	</a:t>
+            </a:r>
+            <a:r>
+              <a:rPr lang="en-US" sz="2400" dirty="0" err="1" smtClean="0"/>
+              <a:t>pyhton</a:t>
+            </a:r>
+            <a:endParaRPr lang="en-US" sz="2400" dirty="0"/>
+          </a:p>
+        </p:txBody>
+      </p:sp>
+    </p:spTree>
+    <p:extLst>
+      <p:ext uri="{BB962C8B-B14F-4D97-AF65-F5344CB8AC3E}">
+        <p14:creationId xmlns:p14="http://schemas.microsoft.com/office/powerpoint/2010/main" val="1758058122"/>
+      </p:ext>
+    </p:extLst>
+  </p:cSld>
+  <p:clrMapOvr>
+    <a:masterClrMapping/>
+  </p:clrMapOvr>
+</p:sld>
+</file>
+
+<file path=ppt/slides/slide6.xml><?xml version="1.0" encoding="utf-8"?>
+<p:sld xmlns:a="http://schemas.openxmlformats.org/drawingml/2006/main" xmlns:r="http://schemas.openxmlformats.org/officeDocument/2006/relationships" xmlns:p="http://schemas.openxmlformats.org/presentationml/2006/main">
+  <p:cSld>
+    <p:spTree>
+      <p:nvGrpSpPr>
+        <p:cNvPr id="1" name=""/>
+        <p:cNvGrpSpPr/>
+        <p:nvPr/>
+      </p:nvGrpSpPr>
+      <p:grpSpPr>
+        <a:xfrm>
+          <a:off x="0" y="0"/>
+          <a:ext cx="0" cy="0"/>
+          <a:chOff x="0" y="0"/>
+          <a:chExt cx="0" cy="0"/>
+        </a:xfrm>
+      </p:grpSpPr>
+      <p:sp>
+        <p:nvSpPr>
+          <p:cNvPr id="2" name="Title 1"/>
+          <p:cNvSpPr>
+            <a:spLocks noGrp="1"/>
+          </p:cNvSpPr>
+          <p:nvPr>
+            <p:ph type="title"/>
+          </p:nvPr>
+        </p:nvSpPr>
+        <p:spPr/>
+        <p:txBody>
+          <a:bodyPr/>
+          <a:lstStyle/>
+          <a:p>
+            <a:r>
+              <a:rPr lang="en-US" dirty="0" smtClean="0"/>
               <a:t>Health care</a:t>
             </a:r>
             <a:endParaRPr lang="en-US" dirty="0"/>
@@ -7495,21 +7637,13 @@
           <a:p>
             <a:r>
               <a:rPr lang="en-US" sz="2200" dirty="0" smtClean="0"/>
-              <a:t>And </a:t>
-            </a:r>
+              <a:t>And also that customer can manage his routing before reached the air polluted area. </a:t>
+            </a:r>
+          </a:p>
+          <a:p>
             <a:r>
               <a:rPr lang="en-US" sz="2200" dirty="0" smtClean="0"/>
-              <a:t>also that customer can manage his routing before reached the air polluted area. </a:t>
-            </a:r>
-          </a:p>
-          <a:p>
-            <a:r>
-              <a:rPr lang="en-US" sz="2200" dirty="0" smtClean="0"/>
-              <a:t>If </a:t>
-            </a:r>
-            <a:r>
-              <a:rPr lang="en-US" sz="2200" dirty="0" smtClean="0"/>
-              <a:t>a customer suddenly have any health issue due to the polluted air, He can find a medical center also by looking our app immediately.  (by connecting maps to the app)</a:t>
+              <a:t>If a customer suddenly have any health issue due to the polluted air, He can find a medical center also by looking our app immediately.  (by connecting maps to the app)</a:t>
             </a:r>
           </a:p>
           <a:p>

--- a/shoot i smoke.pptx
+++ b/shoot i smoke.pptx
@@ -7,10 +7,11 @@
   <p:sldIdLst>
     <p:sldId id="256" r:id="rId2"/>
     <p:sldId id="264" r:id="rId3"/>
-    <p:sldId id="259" r:id="rId4"/>
-    <p:sldId id="260" r:id="rId5"/>
-    <p:sldId id="257" r:id="rId6"/>
-    <p:sldId id="258" r:id="rId7"/>
+    <p:sldId id="265" r:id="rId4"/>
+    <p:sldId id="259" r:id="rId5"/>
+    <p:sldId id="260" r:id="rId6"/>
+    <p:sldId id="257" r:id="rId7"/>
+    <p:sldId id="258" r:id="rId8"/>
   </p:sldIdLst>
   <p:sldSz cx="12192000" cy="6858000"/>
   <p:notesSz cx="6858000" cy="9144000"/>
@@ -7035,30 +7036,6 @@
           <a:bodyPr/>
           <a:lstStyle/>
           <a:p>
-            <a:r>
-              <a:rPr lang="en-US" dirty="0" smtClean="0"/>
-              <a:t>Not only </a:t>
-            </a:r>
-            <a:r>
-              <a:rPr lang="en-US" dirty="0" err="1" smtClean="0"/>
-              <a:t>Cigerettes</a:t>
-            </a:r>
-            <a:r>
-              <a:rPr lang="en-US" dirty="0" smtClean="0"/>
-              <a:t>, But also </a:t>
-            </a:r>
-            <a:r>
-              <a:rPr lang="en-US" dirty="0" err="1" smtClean="0"/>
-              <a:t>vehical</a:t>
-            </a:r>
-            <a:r>
-              <a:rPr lang="en-US" dirty="0" smtClean="0"/>
-              <a:t> smoke </a:t>
-            </a:r>
-            <a:r>
-              <a:rPr lang="en-US" dirty="0" err="1" smtClean="0"/>
-              <a:t>etc</a:t>
-            </a:r>
             <a:endParaRPr lang="en-US" dirty="0"/>
           </a:p>
         </p:txBody>
@@ -7073,116 +7050,33 @@
             <p:ph idx="1"/>
           </p:nvPr>
         </p:nvSpPr>
-        <p:spPr>
-          <a:xfrm>
-            <a:off x="1251678" y="2059664"/>
-            <a:ext cx="10178322" cy="4449778"/>
-          </a:xfrm>
-        </p:spPr>
+        <p:spPr/>
         <p:txBody>
-          <a:bodyPr>
-            <a:normAutofit fontScale="85000" lnSpcReduction="10000"/>
-          </a:bodyPr>
+          <a:bodyPr/>
           <a:lstStyle/>
           <a:p>
             <a:r>
-              <a:rPr lang="en-US" sz="2800" dirty="0"/>
-              <a:t>So we decided to make this conversion </a:t>
-            </a:r>
-            <a:r>
-              <a:rPr lang="en-US" sz="2800" dirty="0" smtClean="0"/>
-              <a:t>not only to </a:t>
-            </a:r>
-            <a:r>
-              <a:rPr lang="en-US" sz="2800" dirty="0"/>
-              <a:t>cigarettes: it makes it easier to understand what people are dealing with, and the consequences air quality has in their daily lives</a:t>
-            </a:r>
-            <a:r>
-              <a:rPr lang="en-US" sz="2800" dirty="0" smtClean="0"/>
-              <a:t>.</a:t>
-            </a:r>
-          </a:p>
-          <a:p>
-            <a:r>
-              <a:rPr lang="en-US" sz="2800" dirty="0" err="1" smtClean="0"/>
-              <a:t>Eg</a:t>
-            </a:r>
-            <a:r>
-              <a:rPr lang="en-US" sz="2800" dirty="0" smtClean="0"/>
-              <a:t>:  </a:t>
-            </a:r>
-          </a:p>
-          <a:p>
-            <a:pPr lvl="1"/>
-            <a:r>
-              <a:rPr lang="en-US" sz="2400" dirty="0" smtClean="0"/>
-              <a:t>Emissions </a:t>
-            </a:r>
-            <a:r>
-              <a:rPr lang="en-US" sz="2400" dirty="0"/>
-              <a:t>from </a:t>
-            </a:r>
-            <a:r>
-              <a:rPr lang="en-US" sz="2400" dirty="0" smtClean="0"/>
-              <a:t>cars calculated and show how much of dirty air did you breath in</a:t>
-            </a:r>
-          </a:p>
-          <a:p>
-            <a:pPr lvl="1"/>
-            <a:r>
-              <a:rPr lang="en-US" sz="2400" dirty="0" smtClean="0"/>
-              <a:t>How many garbage dumps around your city and how much they pollute the air</a:t>
-            </a:r>
-          </a:p>
-          <a:p>
-            <a:pPr marL="457200" lvl="1" indent="0">
-              <a:buNone/>
-            </a:pPr>
-            <a:endParaRPr lang="en-US" sz="2400" dirty="0" smtClean="0"/>
-          </a:p>
-          <a:p>
-            <a:pPr marL="457200" lvl="1" indent="0">
-              <a:buNone/>
-            </a:pPr>
-            <a:endParaRPr lang="en-US" sz="2400" dirty="0"/>
-          </a:p>
-          <a:p>
-            <a:pPr marL="457200" lvl="1" indent="0">
-              <a:buNone/>
-            </a:pPr>
-            <a:r>
-              <a:rPr lang="en-US" sz="2400" dirty="0" smtClean="0"/>
-              <a:t>Technologies that can use:</a:t>
-            </a:r>
-          </a:p>
-          <a:p>
-            <a:pPr marL="457200" lvl="1" indent="0">
-              <a:buNone/>
-            </a:pPr>
-            <a:r>
-              <a:rPr lang="en-US" sz="2400" dirty="0"/>
-              <a:t>	</a:t>
-            </a:r>
-            <a:r>
-              <a:rPr lang="en-US" sz="2400" dirty="0" smtClean="0"/>
-              <a:t>Machine learning</a:t>
-            </a:r>
-          </a:p>
-          <a:p>
-            <a:pPr marL="457200" lvl="1" indent="0">
-              <a:buNone/>
-            </a:pPr>
-            <a:r>
-              <a:rPr lang="en-US" sz="2400" dirty="0"/>
-              <a:t>	</a:t>
-            </a:r>
-            <a:r>
-              <a:rPr lang="en-US" sz="2400" dirty="0" smtClean="0"/>
-              <a:t>flutter</a:t>
-            </a:r>
-          </a:p>
-          <a:p>
-            <a:pPr lvl="1"/>
+              <a:rPr lang="en-US" dirty="0"/>
+              <a:t>If someone is a general smoker, then we can add a feature that  we will ask the user to enter the average number of cigarettes  he smoke per day, so by using this data we can calculate the general pollution +  the pollution he or she creating for themselves ,  and pass a impactful warning to them.</a:t>
+            </a:r>
+          </a:p>
+          <a:p>
+            <a:r>
+              <a:rPr lang="en-US" dirty="0" err="1"/>
+              <a:t>e.g</a:t>
+            </a:r>
+            <a:r>
+              <a:rPr lang="en-US" dirty="0"/>
+              <a:t> : if a </a:t>
+            </a:r>
+            <a:r>
+              <a:rPr lang="en-US" dirty="0" err="1"/>
+              <a:t>reglular</a:t>
+            </a:r>
+            <a:r>
+              <a:rPr lang="en-US" dirty="0"/>
+              <a:t> smoker smokes 5 cigarettes per day. Then the total pollution he or she is facing is the normal pollution level + the pollution created by their smoking habit.</a:t>
+            </a:r>
             <a:endParaRPr lang="en-US" dirty="0"/>
           </a:p>
         </p:txBody>
@@ -7190,7 +7084,7 @@
     </p:spTree>
     <p:extLst>
       <p:ext uri="{BB962C8B-B14F-4D97-AF65-F5344CB8AC3E}">
-        <p14:creationId xmlns:p14="http://schemas.microsoft.com/office/powerpoint/2010/main" val="1316313668"/>
+        <p14:creationId xmlns:p14="http://schemas.microsoft.com/office/powerpoint/2010/main" val="2697730695"/>
       </p:ext>
     </p:extLst>
   </p:cSld>
@@ -7234,7 +7128,27 @@
           <a:p>
             <a:r>
               <a:rPr lang="en-US" dirty="0" smtClean="0"/>
-              <a:t>Comparing cities</a:t>
+              <a:t>Not only </a:t>
+            </a:r>
+            <a:r>
+              <a:rPr lang="en-US" dirty="0" err="1" smtClean="0"/>
+              <a:t>Cigerettes</a:t>
+            </a:r>
+            <a:r>
+              <a:rPr lang="en-US" dirty="0" smtClean="0"/>
+              <a:t>, But also </a:t>
+            </a:r>
+            <a:r>
+              <a:rPr lang="en-US" dirty="0" err="1" smtClean="0"/>
+              <a:t>vehical</a:t>
+            </a:r>
+            <a:r>
+              <a:rPr lang="en-US" dirty="0" smtClean="0"/>
+              <a:t> smoke </a:t>
+            </a:r>
+            <a:r>
+              <a:rPr lang="en-US" dirty="0" err="1" smtClean="0"/>
+              <a:t>etc</a:t>
             </a:r>
             <a:endParaRPr lang="en-US" dirty="0"/>
           </a:p>
@@ -7252,124 +7166,114 @@
         </p:nvSpPr>
         <p:spPr>
           <a:xfrm>
-            <a:off x="1251678" y="1711105"/>
-            <a:ext cx="10178322" cy="4626321"/>
+            <a:off x="1251678" y="2059664"/>
+            <a:ext cx="10178322" cy="4449778"/>
           </a:xfrm>
         </p:spPr>
         <p:txBody>
           <a:bodyPr>
-            <a:normAutofit fontScale="85000" lnSpcReduction="20000"/>
+            <a:normAutofit fontScale="85000" lnSpcReduction="10000"/>
           </a:bodyPr>
           <a:lstStyle/>
           <a:p>
             <a:r>
+              <a:rPr lang="en-US" sz="2800" dirty="0"/>
+              <a:t>So we decided to make this conversion </a:t>
+            </a:r>
+            <a:r>
               <a:rPr lang="en-US" sz="2800" dirty="0" smtClean="0"/>
-              <a:t>We </a:t>
+              <a:t>not only to </a:t>
             </a:r>
             <a:r>
               <a:rPr lang="en-US" sz="2800" dirty="0"/>
-              <a:t>can update a feature as detect two cities </a:t>
+              <a:t>cigarettes: it makes it easier to understand what people are dealing with, and the consequences air quality has in their daily lives</a:t>
             </a:r>
             <a:r>
               <a:rPr lang="en-US" sz="2800" dirty="0" smtClean="0"/>
-              <a:t>atmosphere </a:t>
-            </a:r>
-            <a:r>
-              <a:rPr lang="en-US" sz="2800" dirty="0"/>
-              <a:t>and determine how bad one than </a:t>
+              <a:t>.</a:t>
+            </a:r>
+          </a:p>
+          <a:p>
+            <a:r>
+              <a:rPr lang="en-US" sz="2800" dirty="0" err="1" smtClean="0"/>
+              <a:t>Eg</a:t>
             </a:r>
             <a:r>
               <a:rPr lang="en-US" sz="2800" dirty="0" smtClean="0"/>
-              <a:t>the other</a:t>
-            </a:r>
-            <a:r>
-              <a:rPr lang="en-US" sz="2800" dirty="0"/>
-              <a:t>. </a:t>
-            </a:r>
-            <a:endParaRPr lang="en-US" sz="2800" dirty="0" smtClean="0"/>
-          </a:p>
-          <a:p>
-            <a:r>
-              <a:rPr lang="en-US" sz="2800" dirty="0"/>
-              <a:t>If a customer wants to travel he can get details of his own location and compare with his routing and other cities.</a:t>
-            </a:r>
-          </a:p>
-          <a:p>
-            <a:r>
-              <a:rPr lang="en-US" sz="2800" dirty="0"/>
-              <a:t>Then customer can get necessary steps for keep his health.(wearing masks)</a:t>
-            </a:r>
-          </a:p>
-          <a:p>
-            <a:pPr marL="0" indent="0">
+              <a:t>:  </a:t>
+            </a:r>
+          </a:p>
+          <a:p>
+            <a:pPr lvl="1"/>
+            <a:r>
+              <a:rPr lang="en-US" sz="2400" dirty="0" smtClean="0"/>
+              <a:t>Emissions </a:t>
+            </a:r>
+            <a:r>
+              <a:rPr lang="en-US" sz="2400" dirty="0"/>
+              <a:t>from </a:t>
+            </a:r>
+            <a:r>
+              <a:rPr lang="en-US" sz="2400" dirty="0" smtClean="0"/>
+              <a:t>cars calculated and show how much of dirty air did you breath in</a:t>
+            </a:r>
+          </a:p>
+          <a:p>
+            <a:pPr lvl="1"/>
+            <a:r>
+              <a:rPr lang="en-US" sz="2400" dirty="0" smtClean="0"/>
+              <a:t>How many garbage dumps around your city and how much they pollute the air</a:t>
+            </a:r>
+          </a:p>
+          <a:p>
+            <a:pPr marL="457200" lvl="1" indent="0">
               <a:buNone/>
             </a:pPr>
-            <a:endParaRPr lang="en-US" sz="2600" dirty="0"/>
-          </a:p>
-          <a:p>
-            <a:pPr marL="0" indent="0">
+            <a:endParaRPr lang="en-US" sz="2400" dirty="0" smtClean="0"/>
+          </a:p>
+          <a:p>
+            <a:pPr marL="457200" lvl="1" indent="0">
               <a:buNone/>
             </a:pPr>
-            <a:r>
-              <a:rPr lang="en-US" sz="2600" dirty="0"/>
+            <a:endParaRPr lang="en-US" sz="2400" dirty="0"/>
+          </a:p>
+          <a:p>
+            <a:pPr marL="457200" lvl="1" indent="0">
+              <a:buNone/>
+            </a:pPr>
+            <a:r>
+              <a:rPr lang="en-US" sz="2400" dirty="0" smtClean="0"/>
               <a:t>Technologies that can use:</a:t>
             </a:r>
           </a:p>
           <a:p>
-            <a:pPr marL="0" indent="0">
+            <a:pPr marL="457200" lvl="1" indent="0">
               <a:buNone/>
             </a:pPr>
             <a:r>
-              <a:rPr lang="en-US" sz="2600" dirty="0"/>
-              <a:t>	machine learning </a:t>
-            </a:r>
-          </a:p>
-          <a:p>
-            <a:pPr marL="0" indent="0">
+              <a:rPr lang="en-US" sz="2400" dirty="0"/>
+              <a:t>	</a:t>
+            </a:r>
+            <a:r>
+              <a:rPr lang="en-US" sz="2400" dirty="0" smtClean="0"/>
+              <a:t>Machine learning</a:t>
+            </a:r>
+          </a:p>
+          <a:p>
+            <a:pPr marL="457200" lvl="1" indent="0">
               <a:buNone/>
             </a:pPr>
             <a:r>
-              <a:rPr lang="en-US" sz="2600" dirty="0"/>
+              <a:rPr lang="en-US" sz="2400" dirty="0"/>
               <a:t>	</a:t>
             </a:r>
             <a:r>
-              <a:rPr lang="en-US" sz="2600" dirty="0" err="1"/>
-              <a:t>keras</a:t>
-            </a:r>
-            <a:r>
-              <a:rPr lang="en-US" sz="2600" dirty="0"/>
-              <a:t> </a:t>
-            </a:r>
-          </a:p>
-          <a:p>
-            <a:pPr marL="0" indent="0">
-              <a:buNone/>
-            </a:pPr>
-            <a:r>
-              <a:rPr lang="en-US" sz="2600" dirty="0"/>
-              <a:t>	</a:t>
-            </a:r>
-            <a:r>
-              <a:rPr lang="en-US" sz="2600" dirty="0" err="1"/>
-              <a:t>tensaflow</a:t>
-            </a:r>
-            <a:endParaRPr lang="en-US" sz="2600" dirty="0"/>
-          </a:p>
-          <a:p>
-            <a:pPr marL="0" indent="0">
-              <a:buNone/>
-            </a:pPr>
-            <a:r>
-              <a:rPr lang="en-US" sz="2600" dirty="0"/>
-              <a:t>	</a:t>
-            </a:r>
-            <a:r>
-              <a:rPr lang="en-US" sz="2600" dirty="0" err="1"/>
-              <a:t>pyhton</a:t>
-            </a:r>
-            <a:endParaRPr lang="en-US" sz="2600" dirty="0"/>
-          </a:p>
-          <a:p>
+              <a:rPr lang="en-US" sz="2400" dirty="0" smtClean="0"/>
+              <a:t>flutter</a:t>
+            </a:r>
+          </a:p>
+          <a:p>
+            <a:pPr lvl="1"/>
             <a:endParaRPr lang="en-US" dirty="0"/>
           </a:p>
         </p:txBody>
@@ -7377,7 +7281,7 @@
     </p:spTree>
     <p:extLst>
       <p:ext uri="{BB962C8B-B14F-4D97-AF65-F5344CB8AC3E}">
-        <p14:creationId xmlns:p14="http://schemas.microsoft.com/office/powerpoint/2010/main" val="3392107814"/>
+        <p14:creationId xmlns:p14="http://schemas.microsoft.com/office/powerpoint/2010/main" val="1316313668"/>
       </p:ext>
     </p:extLst>
   </p:cSld>
@@ -7421,6 +7325,193 @@
           <a:p>
             <a:r>
               <a:rPr lang="en-US" dirty="0" smtClean="0"/>
+              <a:t>Comparing cities</a:t>
+            </a:r>
+            <a:endParaRPr lang="en-US" dirty="0"/>
+          </a:p>
+        </p:txBody>
+      </p:sp>
+      <p:sp>
+        <p:nvSpPr>
+          <p:cNvPr id="3" name="Content Placeholder 2"/>
+          <p:cNvSpPr>
+            <a:spLocks noGrp="1"/>
+          </p:cNvSpPr>
+          <p:nvPr>
+            <p:ph idx="1"/>
+          </p:nvPr>
+        </p:nvSpPr>
+        <p:spPr>
+          <a:xfrm>
+            <a:off x="1251678" y="1711105"/>
+            <a:ext cx="10178322" cy="4626321"/>
+          </a:xfrm>
+        </p:spPr>
+        <p:txBody>
+          <a:bodyPr>
+            <a:normAutofit fontScale="85000" lnSpcReduction="20000"/>
+          </a:bodyPr>
+          <a:lstStyle/>
+          <a:p>
+            <a:r>
+              <a:rPr lang="en-US" sz="2800" dirty="0" smtClean="0"/>
+              <a:t>We </a:t>
+            </a:r>
+            <a:r>
+              <a:rPr lang="en-US" sz="2800" dirty="0"/>
+              <a:t>can update a feature as detect two cities </a:t>
+            </a:r>
+            <a:r>
+              <a:rPr lang="en-US" sz="2800" dirty="0" smtClean="0"/>
+              <a:t>atmosphere </a:t>
+            </a:r>
+            <a:r>
+              <a:rPr lang="en-US" sz="2800" dirty="0"/>
+              <a:t>and determine how bad one than </a:t>
+            </a:r>
+            <a:r>
+              <a:rPr lang="en-US" sz="2800" dirty="0" smtClean="0"/>
+              <a:t>the other</a:t>
+            </a:r>
+            <a:r>
+              <a:rPr lang="en-US" sz="2800" dirty="0"/>
+              <a:t>. </a:t>
+            </a:r>
+            <a:endParaRPr lang="en-US" sz="2800" dirty="0" smtClean="0"/>
+          </a:p>
+          <a:p>
+            <a:r>
+              <a:rPr lang="en-US" sz="2800" dirty="0"/>
+              <a:t>If a customer wants to travel he can get details of his own location and compare with his routing and other cities.</a:t>
+            </a:r>
+          </a:p>
+          <a:p>
+            <a:r>
+              <a:rPr lang="en-US" sz="2800" dirty="0"/>
+              <a:t>Then customer can get necessary steps for keep his health.(wearing masks)</a:t>
+            </a:r>
+          </a:p>
+          <a:p>
+            <a:pPr marL="0" indent="0">
+              <a:buNone/>
+            </a:pPr>
+            <a:endParaRPr lang="en-US" sz="2600" dirty="0"/>
+          </a:p>
+          <a:p>
+            <a:pPr marL="0" indent="0">
+              <a:buNone/>
+            </a:pPr>
+            <a:r>
+              <a:rPr lang="en-US" sz="2600" dirty="0"/>
+              <a:t>Technologies that can use:</a:t>
+            </a:r>
+          </a:p>
+          <a:p>
+            <a:pPr marL="0" indent="0">
+              <a:buNone/>
+            </a:pPr>
+            <a:r>
+              <a:rPr lang="en-US" sz="2600" dirty="0"/>
+              <a:t>	machine learning </a:t>
+            </a:r>
+          </a:p>
+          <a:p>
+            <a:pPr marL="0" indent="0">
+              <a:buNone/>
+            </a:pPr>
+            <a:r>
+              <a:rPr lang="en-US" sz="2600" dirty="0"/>
+              <a:t>	</a:t>
+            </a:r>
+            <a:r>
+              <a:rPr lang="en-US" sz="2600" dirty="0" err="1"/>
+              <a:t>keras</a:t>
+            </a:r>
+            <a:r>
+              <a:rPr lang="en-US" sz="2600" dirty="0"/>
+              <a:t> </a:t>
+            </a:r>
+          </a:p>
+          <a:p>
+            <a:pPr marL="0" indent="0">
+              <a:buNone/>
+            </a:pPr>
+            <a:r>
+              <a:rPr lang="en-US" sz="2600" dirty="0"/>
+              <a:t>	</a:t>
+            </a:r>
+            <a:r>
+              <a:rPr lang="en-US" sz="2600" dirty="0" err="1"/>
+              <a:t>tensaflow</a:t>
+            </a:r>
+            <a:endParaRPr lang="en-US" sz="2600" dirty="0"/>
+          </a:p>
+          <a:p>
+            <a:pPr marL="0" indent="0">
+              <a:buNone/>
+            </a:pPr>
+            <a:r>
+              <a:rPr lang="en-US" sz="2600" dirty="0"/>
+              <a:t>	</a:t>
+            </a:r>
+            <a:r>
+              <a:rPr lang="en-US" sz="2600" dirty="0" err="1"/>
+              <a:t>pyhton</a:t>
+            </a:r>
+            <a:endParaRPr lang="en-US" sz="2600" dirty="0"/>
+          </a:p>
+          <a:p>
+            <a:endParaRPr lang="en-US" dirty="0"/>
+          </a:p>
+        </p:txBody>
+      </p:sp>
+    </p:spTree>
+    <p:extLst>
+      <p:ext uri="{BB962C8B-B14F-4D97-AF65-F5344CB8AC3E}">
+        <p14:creationId xmlns:p14="http://schemas.microsoft.com/office/powerpoint/2010/main" val="3392107814"/>
+      </p:ext>
+    </p:extLst>
+  </p:cSld>
+  <p:clrMapOvr>
+    <a:masterClrMapping/>
+  </p:clrMapOvr>
+</p:sld>
+</file>
+
+<file path=ppt/slides/slide6.xml><?xml version="1.0" encoding="utf-8"?>
+<p:sld xmlns:a="http://schemas.openxmlformats.org/drawingml/2006/main" xmlns:r="http://schemas.openxmlformats.org/officeDocument/2006/relationships" xmlns:p="http://schemas.openxmlformats.org/presentationml/2006/main">
+  <p:cSld>
+    <p:spTree>
+      <p:nvGrpSpPr>
+        <p:cNvPr id="1" name=""/>
+        <p:cNvGrpSpPr/>
+        <p:nvPr/>
+      </p:nvGrpSpPr>
+      <p:grpSpPr>
+        <a:xfrm>
+          <a:off x="0" y="0"/>
+          <a:ext cx="0" cy="0"/>
+          <a:chOff x="0" y="0"/>
+          <a:chExt cx="0" cy="0"/>
+        </a:xfrm>
+      </p:grpSpPr>
+      <p:sp>
+        <p:nvSpPr>
+          <p:cNvPr id="2" name="Title 1"/>
+          <p:cNvSpPr>
+            <a:spLocks noGrp="1"/>
+          </p:cNvSpPr>
+          <p:nvPr>
+            <p:ph type="title"/>
+          </p:nvPr>
+        </p:nvSpPr>
+        <p:spPr/>
+        <p:txBody>
+          <a:bodyPr/>
+          <a:lstStyle/>
+          <a:p>
+            <a:r>
+              <a:rPr lang="en-US" dirty="0" smtClean="0"/>
               <a:t>Warning Notifications</a:t>
             </a:r>
             <a:endParaRPr lang="en-US" dirty="0"/>
@@ -7543,7 +7634,7 @@
 </p:sld>
 </file>
 
-<file path=ppt/slides/slide6.xml><?xml version="1.0" encoding="utf-8"?>
+<file path=ppt/slides/slide7.xml><?xml version="1.0" encoding="utf-8"?>
 <p:sld xmlns:a="http://schemas.openxmlformats.org/drawingml/2006/main" xmlns:r="http://schemas.openxmlformats.org/officeDocument/2006/relationships" xmlns:p="http://schemas.openxmlformats.org/presentationml/2006/main">
   <p:cSld>
     <p:spTree>

--- a/shoot i smoke.pptx
+++ b/shoot i smoke.pptx
@@ -6894,23 +6894,27 @@
             </a:r>
             <a:r>
               <a:rPr lang="en-US" dirty="0" err="1" smtClean="0"/>
-              <a:t>Cigerettes</a:t>
+              <a:t>Cigareette</a:t>
             </a:r>
             <a:r>
               <a:rPr lang="en-US" dirty="0" smtClean="0"/>
-              <a:t>, But also </a:t>
-            </a:r>
-            <a:r>
-              <a:rPr lang="en-US" dirty="0" err="1" smtClean="0"/>
-              <a:t>vehical</a:t>
+              <a:t>, </a:t>
             </a:r>
             <a:r>
               <a:rPr lang="en-US" dirty="0" smtClean="0"/>
-              <a:t> smoke </a:t>
-            </a:r>
-            <a:r>
-              <a:rPr lang="en-US" dirty="0" err="1" smtClean="0"/>
-              <a:t>etc</a:t>
+              <a:t>But also </a:t>
+            </a:r>
+            <a:r>
+              <a:rPr lang="en-US" dirty="0" smtClean="0"/>
+              <a:t>vehicle </a:t>
+            </a:r>
+            <a:r>
+              <a:rPr lang="en-US" dirty="0" smtClean="0"/>
+              <a:t>smoke </a:t>
+            </a:r>
+            <a:r>
+              <a:rPr lang="en-US" dirty="0" smtClean="0"/>
+              <a:t>etc…</a:t>
             </a:r>
             <a:endParaRPr lang="en-US" dirty="0"/>
           </a:p>
@@ -6934,7 +6938,7 @@
         </p:spPr>
         <p:txBody>
           <a:bodyPr>
-            <a:normAutofit fontScale="92500" lnSpcReduction="20000"/>
+            <a:normAutofit fontScale="77500" lnSpcReduction="20000"/>
           </a:bodyPr>
           <a:lstStyle/>
           <a:p>
@@ -6969,33 +6973,44 @@
             <a:pPr lvl="1"/>
             <a:r>
               <a:rPr lang="en-US" sz="2400" dirty="0" smtClean="0"/>
-              <a:t>Emissions </a:t>
-            </a:r>
-            <a:r>
-              <a:rPr lang="en-US" sz="2400" dirty="0"/>
-              <a:t>from </a:t>
-            </a:r>
+              <a:t>This  app will mainly rate the air pollution using cigarettes smoke as a rate,</a:t>
+            </a:r>
+          </a:p>
+          <a:p>
+            <a:pPr lvl="1"/>
             <a:r>
               <a:rPr lang="en-US" sz="2400" dirty="0" smtClean="0"/>
-              <a:t>cars calculated and show how much of dirty air did you breath in</a:t>
+              <a:t>Here we are proposing to use </a:t>
+            </a:r>
+            <a:r>
+              <a:rPr lang="en-US" sz="2400" dirty="0" err="1" smtClean="0"/>
+              <a:t>vechicle</a:t>
+            </a:r>
+            <a:r>
+              <a:rPr lang="en-US" sz="2400" dirty="0" smtClean="0"/>
+              <a:t> smoke as a rate calculator…</a:t>
             </a:r>
           </a:p>
           <a:p>
             <a:pPr lvl="1"/>
             <a:r>
-              <a:rPr lang="en-US" sz="2400" dirty="0" smtClean="0"/>
-              <a:t>How many garbage dumps around your city and how much they pollute the </a:t>
-            </a:r>
-            <a:r>
-              <a:rPr lang="en-US" sz="2400" dirty="0" smtClean="0"/>
-              <a:t>air</a:t>
+              <a:rPr lang="en-US" sz="2400" b="1" dirty="0" smtClean="0">
+                <a:solidFill>
+                  <a:srgbClr val="FF0000"/>
+                </a:solidFill>
+              </a:rPr>
+              <a:t>WARNING!!!   </a:t>
             </a:r>
           </a:p>
           <a:p>
             <a:pPr marL="457200" lvl="1" indent="0">
               <a:buNone/>
             </a:pPr>
-            <a:endParaRPr lang="en-US" sz="2400" dirty="0" smtClean="0"/>
+            <a:r>
+              <a:rPr lang="en-US" sz="2400" b="1" dirty="0" smtClean="0"/>
+              <a:t>      YOU ARE BREATHING BAD AIR TWICE THE TIME OF A CORRUPTED SMOKE GENERATED BY A CAR!!!!</a:t>
+            </a:r>
+            <a:endParaRPr lang="en-US" sz="2200" b="1" dirty="0" smtClean="0"/>
           </a:p>
           <a:p>
             <a:pPr marL="457200" lvl="1" indent="0">
@@ -7279,7 +7294,7 @@
           <a:p>
             <a:r>
               <a:rPr lang="en-US" dirty="0" smtClean="0"/>
-              <a:t>Warning Notifications</a:t>
+              <a:t> Notifications &amp; WARNINGS</a:t>
             </a:r>
             <a:endParaRPr lang="en-US" dirty="0"/>
           </a:p>
@@ -7309,7 +7324,11 @@
           <a:p>
             <a:r>
               <a:rPr lang="en-US" sz="2400" dirty="0" smtClean="0"/>
-              <a:t>If a user reached to a city that have very bad atmosphere we can detect it by the location server and give warning Notifications.</a:t>
+              <a:t>If a </a:t>
+            </a:r>
+            <a:r>
+              <a:rPr lang="en-US" sz="2400" dirty="0" smtClean="0"/>
+              <a:t>user reached to a city that have very bad atmosphere we can detect it by the location server and give warning Notifications.</a:t>
             </a:r>
           </a:p>
           <a:p>
@@ -7321,7 +7340,11 @@
             </a:pPr>
             <a:r>
               <a:rPr lang="en-US" sz="2400" dirty="0" smtClean="0"/>
-              <a:t>Technologies that can use:</a:t>
+              <a:t>Technologies </a:t>
+            </a:r>
+            <a:r>
+              <a:rPr lang="en-US" sz="2400" dirty="0" smtClean="0"/>
+              <a:t>that can use:</a:t>
             </a:r>
           </a:p>
           <a:p>
